--- a/documents/Presentation.pptx
+++ b/documents/Presentation.pptx
@@ -5,15 +5,16 @@
     <p:sldMasterId id="2147483648" r:id="rId1"/>
   </p:sldMasterIdLst>
   <p:notesMasterIdLst>
-    <p:notesMasterId r:id="rId8"/>
+    <p:notesMasterId r:id="rId9"/>
   </p:notesMasterIdLst>
   <p:sldIdLst>
     <p:sldId id="259" r:id="rId2"/>
-    <p:sldId id="264" r:id="rId3"/>
-    <p:sldId id="270" r:id="rId4"/>
-    <p:sldId id="269" r:id="rId5"/>
-    <p:sldId id="268" r:id="rId6"/>
-    <p:sldId id="271" r:id="rId7"/>
+    <p:sldId id="272" r:id="rId3"/>
+    <p:sldId id="264" r:id="rId4"/>
+    <p:sldId id="270" r:id="rId5"/>
+    <p:sldId id="269" r:id="rId6"/>
+    <p:sldId id="268" r:id="rId7"/>
+    <p:sldId id="271" r:id="rId8"/>
   </p:sldIdLst>
   <p:sldSz cx="9144000" cy="6858000" type="screen4x3"/>
   <p:notesSz cx="6858000" cy="9144000"/>
@@ -178,6 +179,105 @@
 </p:cmAuthorLst>
 </file>
 
+<file path=ppt/revisionInfo.xml><?xml version="1.0" encoding="utf-8"?>
+<p1510:revInfo xmlns:a="http://schemas.openxmlformats.org/drawingml/2006/main" xmlns:r="http://schemas.openxmlformats.org/officeDocument/2006/relationships" xmlns:p1510="http://schemas.microsoft.com/office/powerpoint/2015/10/main">
+  <p1510:revLst>
+    <p1510:client id="{219F1D7E-33A4-A605-0A6E-3DADC0930D6B}" v="5" dt="2019-01-30T16:59:21.038"/>
+  </p1510:revLst>
+</p1510:revInfo>
+</file>
+
+<file path=ppt/changesInfos/changesInfo1.xml><?xml version="1.0" encoding="utf-8"?>
+<pc:chgInfo xmlns:a="http://schemas.openxmlformats.org/drawingml/2006/main" xmlns:r="http://schemas.openxmlformats.org/officeDocument/2006/relationships" xmlns:ac="http://schemas.microsoft.com/office/drawing/2013/main/command" xmlns:pc="http://schemas.microsoft.com/office/powerpoint/2013/main/command">
+  <pc:docChgLst>
+    <pc:chgData name="Pascal Wiedenbeck" userId="S::wpascal@mail.uni-paderborn.de::7d3bae6a-01c2-4d5b-87ad-a900704d67ff" providerId="AD" clId="Web-{511AF1C0-0733-A0C1-4BBA-2D4BB9B89D8F}"/>
+    <pc:docChg chg="modSld">
+      <pc:chgData name="Pascal Wiedenbeck" userId="S::wpascal@mail.uni-paderborn.de::7d3bae6a-01c2-4d5b-87ad-a900704d67ff" providerId="AD" clId="Web-{511AF1C0-0733-A0C1-4BBA-2D4BB9B89D8F}" dt="2019-01-30T15:59:14.045" v="22" actId="20577"/>
+      <pc:docMkLst>
+        <pc:docMk/>
+      </pc:docMkLst>
+      <pc:sldChg chg="modSp">
+        <pc:chgData name="Pascal Wiedenbeck" userId="S::wpascal@mail.uni-paderborn.de::7d3bae6a-01c2-4d5b-87ad-a900704d67ff" providerId="AD" clId="Web-{511AF1C0-0733-A0C1-4BBA-2D4BB9B89D8F}" dt="2019-01-30T15:59:14.045" v="21" actId="20577"/>
+        <pc:sldMkLst>
+          <pc:docMk/>
+          <pc:sldMk cId="2352477556" sldId="270"/>
+        </pc:sldMkLst>
+        <pc:spChg chg="mod">
+          <ac:chgData name="Pascal Wiedenbeck" userId="S::wpascal@mail.uni-paderborn.de::7d3bae6a-01c2-4d5b-87ad-a900704d67ff" providerId="AD" clId="Web-{511AF1C0-0733-A0C1-4BBA-2D4BB9B89D8F}" dt="2019-01-30T15:59:14.045" v="21" actId="20577"/>
+          <ac:spMkLst>
+            <pc:docMk/>
+            <pc:sldMk cId="2352477556" sldId="270"/>
+            <ac:spMk id="31" creationId="{8A185253-2635-4836-8F0F-2655AE7B356E}"/>
+          </ac:spMkLst>
+        </pc:spChg>
+      </pc:sldChg>
+      <pc:sldChg chg="modSp">
+        <pc:chgData name="Pascal Wiedenbeck" userId="S::wpascal@mail.uni-paderborn.de::7d3bae6a-01c2-4d5b-87ad-a900704d67ff" providerId="AD" clId="Web-{511AF1C0-0733-A0C1-4BBA-2D4BB9B89D8F}" dt="2019-01-30T15:58:20.029" v="14" actId="20577"/>
+        <pc:sldMkLst>
+          <pc:docMk/>
+          <pc:sldMk cId="2931885674" sldId="271"/>
+        </pc:sldMkLst>
+        <pc:spChg chg="mod">
+          <ac:chgData name="Pascal Wiedenbeck" userId="S::wpascal@mail.uni-paderborn.de::7d3bae6a-01c2-4d5b-87ad-a900704d67ff" providerId="AD" clId="Web-{511AF1C0-0733-A0C1-4BBA-2D4BB9B89D8F}" dt="2019-01-30T15:58:20.029" v="14" actId="20577"/>
+          <ac:spMkLst>
+            <pc:docMk/>
+            <pc:sldMk cId="2931885674" sldId="271"/>
+            <ac:spMk id="4" creationId="{7D13E109-C6D9-4C2E-A022-1D42B26C43BE}"/>
+          </ac:spMkLst>
+        </pc:spChg>
+      </pc:sldChg>
+    </pc:docChg>
+  </pc:docChgLst>
+  <pc:docChgLst>
+    <pc:chgData name="Pascal Wiedenbeck" userId="S::wpascal@mail.uni-paderborn.de::7d3bae6a-01c2-4d5b-87ad-a900704d67ff" providerId="AD" clId="Web-{219F1D7E-33A4-A605-0A6E-3DADC0930D6B}"/>
+    <pc:docChg chg="addSld modSld sldOrd">
+      <pc:chgData name="Pascal Wiedenbeck" userId="S::wpascal@mail.uni-paderborn.de::7d3bae6a-01c2-4d5b-87ad-a900704d67ff" providerId="AD" clId="Web-{219F1D7E-33A4-A605-0A6E-3DADC0930D6B}" dt="2019-01-30T18:31:15.105" v="250" actId="20577"/>
+      <pc:docMkLst>
+        <pc:docMk/>
+      </pc:docMkLst>
+      <pc:sldChg chg="modSp">
+        <pc:chgData name="Pascal Wiedenbeck" userId="S::wpascal@mail.uni-paderborn.de::7d3bae6a-01c2-4d5b-87ad-a900704d67ff" providerId="AD" clId="Web-{219F1D7E-33A4-A605-0A6E-3DADC0930D6B}" dt="2019-01-30T18:31:15.105" v="249" actId="20577"/>
+        <pc:sldMkLst>
+          <pc:docMk/>
+          <pc:sldMk cId="2352477556" sldId="270"/>
+        </pc:sldMkLst>
+        <pc:spChg chg="mod">
+          <ac:chgData name="Pascal Wiedenbeck" userId="S::wpascal@mail.uni-paderborn.de::7d3bae6a-01c2-4d5b-87ad-a900704d67ff" providerId="AD" clId="Web-{219F1D7E-33A4-A605-0A6E-3DADC0930D6B}" dt="2019-01-30T18:31:15.105" v="249" actId="20577"/>
+          <ac:spMkLst>
+            <pc:docMk/>
+            <pc:sldMk cId="2352477556" sldId="270"/>
+            <ac:spMk id="31" creationId="{8A185253-2635-4836-8F0F-2655AE7B356E}"/>
+          </ac:spMkLst>
+        </pc:spChg>
+      </pc:sldChg>
+      <pc:sldChg chg="modSp add ord replId">
+        <pc:chgData name="Pascal Wiedenbeck" userId="S::wpascal@mail.uni-paderborn.de::7d3bae6a-01c2-4d5b-87ad-a900704d67ff" providerId="AD" clId="Web-{219F1D7E-33A4-A605-0A6E-3DADC0930D6B}" dt="2019-01-30T18:29:57.949" v="238" actId="20577"/>
+        <pc:sldMkLst>
+          <pc:docMk/>
+          <pc:sldMk cId="2801722384" sldId="272"/>
+        </pc:sldMkLst>
+        <pc:spChg chg="mod">
+          <ac:chgData name="Pascal Wiedenbeck" userId="S::wpascal@mail.uni-paderborn.de::7d3bae6a-01c2-4d5b-87ad-a900704d67ff" providerId="AD" clId="Web-{219F1D7E-33A4-A605-0A6E-3DADC0930D6B}" dt="2019-01-30T16:59:12.460" v="2" actId="20577"/>
+          <ac:spMkLst>
+            <pc:docMk/>
+            <pc:sldMk cId="2801722384" sldId="272"/>
+            <ac:spMk id="30" creationId="{E9ED8D01-46DE-4071-A5B0-C01AF8470D59}"/>
+          </ac:spMkLst>
+        </pc:spChg>
+        <pc:spChg chg="mod">
+          <ac:chgData name="Pascal Wiedenbeck" userId="S::wpascal@mail.uni-paderborn.de::7d3bae6a-01c2-4d5b-87ad-a900704d67ff" providerId="AD" clId="Web-{219F1D7E-33A4-A605-0A6E-3DADC0930D6B}" dt="2019-01-30T18:29:57.949" v="238" actId="20577"/>
+          <ac:spMkLst>
+            <pc:docMk/>
+            <pc:sldMk cId="2801722384" sldId="272"/>
+            <ac:spMk id="31" creationId="{8A185253-2635-4836-8F0F-2655AE7B356E}"/>
+          </ac:spMkLst>
+        </pc:spChg>
+      </pc:sldChg>
+    </pc:docChg>
+  </pc:docChgLst>
+</pc:chgInfo>
+</file>
+
 <file path=ppt/notesMasters/notesMaster1.xml><?xml version="1.0" encoding="utf-8"?>
 <p:notesMaster xmlns:a="http://schemas.openxmlformats.org/drawingml/2006/main" xmlns:r="http://schemas.openxmlformats.org/officeDocument/2006/relationships" xmlns:p="http://schemas.openxmlformats.org/presentationml/2006/main">
   <p:cSld>
@@ -260,7 +360,7 @@
           <a:p>
             <a:fld id="{D88C34EE-ABA8-453A-8450-81D0F297F3A1}" type="datetimeFigureOut">
               <a:rPr lang="de-DE" smtClean="0"/>
-              <a:t>29.01.2019</a:t>
+              <a:t>30.01.2019</a:t>
             </a:fld>
             <a:endParaRPr lang="de-DE"/>
           </a:p>
@@ -418,7 +518,7 @@
           <a:p>
             <a:fld id="{E49381F8-F1C5-473C-82D3-4A56FBD5CEB6}" type="slidenum">
               <a:rPr lang="de-DE" smtClean="0"/>
-              <a:t>‹Nr.›</a:t>
+              <a:t>‹#›</a:t>
             </a:fld>
             <a:endParaRPr lang="de-DE"/>
           </a:p>
@@ -11645,7 +11745,7 @@
             <a:fld id="{C0BC624C-2554-4659-A1D8-66347873820C}" type="slidenum">
               <a:rPr lang="de-DE" smtClean="0"/>
               <a:pPr/>
-              <a:t>‹Nr.›</a:t>
+              <a:t>‹#›</a:t>
             </a:fld>
             <a:endParaRPr lang="de-DE" sz="1800" dirty="0"/>
           </a:p>
@@ -24244,7 +24344,7 @@
             <a:fld id="{C0BC624C-2554-4659-A1D8-66347873820C}" type="slidenum">
               <a:rPr lang="de-DE" smtClean="0"/>
               <a:pPr/>
-              <a:t>‹Nr.›</a:t>
+              <a:t>‹#›</a:t>
             </a:fld>
             <a:endParaRPr lang="de-DE" sz="1800" dirty="0"/>
           </a:p>
@@ -37000,7 +37100,7 @@
             <a:fld id="{C0BC624C-2554-4659-A1D8-66347873820C}" type="slidenum">
               <a:rPr lang="de-DE" smtClean="0"/>
               <a:pPr/>
-              <a:t>‹Nr.›</a:t>
+              <a:t>‹#›</a:t>
             </a:fld>
             <a:endParaRPr lang="de-DE" sz="1800" dirty="0"/>
           </a:p>
@@ -39013,7 +39113,7 @@
             <a:fld id="{C0BC624C-2554-4659-A1D8-66347873820C}" type="slidenum">
               <a:rPr lang="de-DE" smtClean="0"/>
               <a:pPr/>
-              <a:t>‹Nr.›</a:t>
+              <a:t>‹#›</a:t>
             </a:fld>
             <a:endParaRPr lang="de-DE" sz="1800" dirty="0"/>
           </a:p>
@@ -39477,7 +39577,7 @@
             <a:fld id="{C0BC624C-2554-4659-A1D8-66347873820C}" type="slidenum">
               <a:rPr lang="de-DE" smtClean="0"/>
               <a:pPr/>
-              <a:t>‹Nr.›</a:t>
+              <a:t>‹#›</a:t>
             </a:fld>
             <a:endParaRPr lang="de-DE" sz="1800" dirty="0"/>
           </a:p>
@@ -40184,7 +40284,7 @@
             <a:fld id="{C0BC624C-2554-4659-A1D8-66347873820C}" type="slidenum">
               <a:rPr lang="de-DE" smtClean="0"/>
               <a:pPr/>
-              <a:t>‹Nr.›</a:t>
+              <a:t>‹#›</a:t>
             </a:fld>
             <a:endParaRPr lang="de-DE" sz="1800" dirty="0"/>
           </a:p>
@@ -40713,7 +40813,7 @@
             <a:fld id="{C0BC624C-2554-4659-A1D8-66347873820C}" type="slidenum">
               <a:rPr lang="de-DE" smtClean="0"/>
               <a:pPr/>
-              <a:t>‹Nr.›</a:t>
+              <a:t>‹#›</a:t>
             </a:fld>
             <a:endParaRPr lang="de-DE" sz="1800" dirty="0"/>
           </a:p>
@@ -41450,7 +41550,7 @@
             <a:fld id="{C0BC624C-2554-4659-A1D8-66347873820C}" type="slidenum">
               <a:rPr lang="de-DE" smtClean="0"/>
               <a:pPr/>
-              <a:t>‹Nr.›</a:t>
+              <a:t>‹#›</a:t>
             </a:fld>
             <a:endParaRPr lang="de-DE" sz="1800" dirty="0"/>
           </a:p>
@@ -42274,7 +42374,7 @@
             <a:fld id="{C0BC624C-2554-4659-A1D8-66347873820C}" type="slidenum">
               <a:rPr lang="de-DE" smtClean="0"/>
               <a:pPr/>
-              <a:t>‹Nr.›</a:t>
+              <a:t>‹#›</a:t>
             </a:fld>
             <a:endParaRPr lang="de-DE" sz="1800" dirty="0"/>
           </a:p>
@@ -49269,7 +49369,7 @@
             <a:fld id="{C0BC624C-2554-4659-A1D8-66347873820C}" type="slidenum">
               <a:rPr lang="de-DE" smtClean="0"/>
               <a:pPr/>
-              <a:t>‹Nr.›</a:t>
+              <a:t>‹#›</a:t>
             </a:fld>
             <a:endParaRPr lang="de-DE" sz="1800" dirty="0"/>
           </a:p>
@@ -51470,6 +51570,174 @@
                   <a:srgbClr val="92D050"/>
                 </a:solidFill>
               </a:rPr>
+              <a:t>Ziele</a:t>
+            </a:r>
+          </a:p>
+        </p:txBody>
+      </p:sp>
+      <p:sp>
+        <p:nvSpPr>
+          <p:cNvPr id="31" name="Textfeld 30">
+            <a:extLst>
+              <a:ext uri="{FF2B5EF4-FFF2-40B4-BE49-F238E27FC236}">
+                <a16:creationId xmlns:a16="http://schemas.microsoft.com/office/drawing/2014/main" id="{8A185253-2635-4836-8F0F-2655AE7B356E}"/>
+              </a:ext>
+            </a:extLst>
+          </p:cNvPr>
+          <p:cNvSpPr txBox="1"/>
+          <p:nvPr/>
+        </p:nvSpPr>
+        <p:spPr>
+          <a:xfrm>
+            <a:off x="450055" y="1738859"/>
+            <a:ext cx="8079347" cy="2542299"/>
+          </a:xfrm>
+          <a:prstGeom prst="rect">
+            <a:avLst/>
+          </a:prstGeom>
+          <a:noFill/>
+        </p:spPr>
+        <p:txBody>
+          <a:bodyPr wrap="square" rtlCol="0" anchor="t">
+            <a:spAutoFit/>
+          </a:bodyPr>
+          <a:lstStyle/>
+          <a:p>
+            <a:pPr marL="285750" indent="-285750">
+              <a:lnSpc>
+                <a:spcPct val="200000"/>
+              </a:lnSpc>
+              <a:buFont typeface="Arial" panose="020B0604020202020204" pitchFamily="34" charset="0"/>
+              <a:buChar char="•"/>
+            </a:pPr>
+            <a:r>
+              <a:rPr lang="de-DE" sz="2800"/>
+              <a:t>Messung der Erreichbarkeit von mehreren Webseiten</a:t>
+            </a:r>
+            <a:endParaRPr lang="en-US"/>
+          </a:p>
+          <a:p>
+            <a:pPr marL="285750" indent="-285750">
+              <a:lnSpc>
+                <a:spcPct val="200000"/>
+              </a:lnSpc>
+              <a:buFont typeface="Arial" panose="020B0604020202020204" pitchFamily="34" charset="0"/>
+              <a:buChar char="•"/>
+            </a:pPr>
+            <a:r>
+              <a:rPr lang="de-DE" sz="2800"/>
+              <a:t>Messungen sind konfigurierbar</a:t>
+            </a:r>
+            <a:endParaRPr lang="de-DE" sz="2800" dirty="0"/>
+          </a:p>
+          <a:p>
+            <a:pPr marL="285750" indent="-285750">
+              <a:lnSpc>
+                <a:spcPct val="200000"/>
+              </a:lnSpc>
+              <a:buFont typeface="Arial" panose="020B0604020202020204" pitchFamily="34" charset="0"/>
+              <a:buChar char="•"/>
+            </a:pPr>
+            <a:r>
+              <a:rPr lang="de-DE" sz="2800"/>
+              <a:t>Einfache Darstellung der Messergebnisse</a:t>
+            </a:r>
+            <a:endParaRPr lang="de-DE" sz="2800" dirty="0"/>
+          </a:p>
+        </p:txBody>
+      </p:sp>
+    </p:spTree>
+    <p:extLst>
+      <p:ext uri="{BB962C8B-B14F-4D97-AF65-F5344CB8AC3E}">
+        <p14:creationId xmlns:p14="http://schemas.microsoft.com/office/powerpoint/2010/main" val="2801722384"/>
+      </p:ext>
+    </p:extLst>
+  </p:cSld>
+  <p:clrMapOvr>
+    <a:masterClrMapping/>
+  </p:clrMapOvr>
+</p:sld>
+</file>
+
+<file path=ppt/slides/slide3.xml><?xml version="1.0" encoding="utf-8"?>
+<p:sld xmlns:a="http://schemas.openxmlformats.org/drawingml/2006/main" xmlns:r="http://schemas.openxmlformats.org/officeDocument/2006/relationships" xmlns:p="http://schemas.openxmlformats.org/presentationml/2006/main">
+  <p:cSld>
+    <p:spTree>
+      <p:nvGrpSpPr>
+        <p:cNvPr id="1" name=""/>
+        <p:cNvGrpSpPr/>
+        <p:nvPr/>
+      </p:nvGrpSpPr>
+      <p:grpSpPr>
+        <a:xfrm>
+          <a:off x="0" y="0"/>
+          <a:ext cx="0" cy="0"/>
+          <a:chOff x="0" y="0"/>
+          <a:chExt cx="0" cy="0"/>
+        </a:xfrm>
+      </p:grpSpPr>
+      <p:sp>
+        <p:nvSpPr>
+          <p:cNvPr id="6" name="Foliennummernplatzhalter 5">
+            <a:extLst>
+              <a:ext uri="{FF2B5EF4-FFF2-40B4-BE49-F238E27FC236}">
+                <a16:creationId xmlns:a16="http://schemas.microsoft.com/office/drawing/2014/main" id="{293F7703-3707-4164-B4F6-5B5880CC8869}"/>
+              </a:ext>
+            </a:extLst>
+          </p:cNvPr>
+          <p:cNvSpPr>
+            <a:spLocks noGrp="1"/>
+          </p:cNvSpPr>
+          <p:nvPr>
+            <p:ph type="sldNum" sz="quarter" idx="11"/>
+          </p:nvPr>
+        </p:nvSpPr>
+        <p:spPr/>
+        <p:txBody>
+          <a:bodyPr/>
+          <a:lstStyle/>
+          <a:p>
+            <a:fld id="{C0BC624C-2554-4659-A1D8-66347873820C}" type="slidenum">
+              <a:rPr lang="de-DE" smtClean="0"/>
+              <a:pPr/>
+              <a:t>3</a:t>
+            </a:fld>
+            <a:endParaRPr lang="de-DE" dirty="0"/>
+          </a:p>
+        </p:txBody>
+      </p:sp>
+      <p:sp>
+        <p:nvSpPr>
+          <p:cNvPr id="30" name="Titel 7">
+            <a:extLst>
+              <a:ext uri="{FF2B5EF4-FFF2-40B4-BE49-F238E27FC236}">
+                <a16:creationId xmlns:a16="http://schemas.microsoft.com/office/drawing/2014/main" id="{E9ED8D01-46DE-4071-A5B0-C01AF8470D59}"/>
+              </a:ext>
+            </a:extLst>
+          </p:cNvPr>
+          <p:cNvSpPr>
+            <a:spLocks noGrp="1"/>
+          </p:cNvSpPr>
+          <p:nvPr>
+            <p:ph type="title"/>
+          </p:nvPr>
+        </p:nvSpPr>
+        <p:spPr>
+          <a:xfrm>
+            <a:off x="450056" y="1052045"/>
+            <a:ext cx="8243887" cy="506932"/>
+          </a:xfrm>
+        </p:spPr>
+        <p:txBody>
+          <a:bodyPr/>
+          <a:lstStyle/>
+          <a:p>
+            <a:r>
+              <a:rPr lang="de-DE" dirty="0">
+                <a:solidFill>
+                  <a:srgbClr val="92D050"/>
+                </a:solidFill>
+              </a:rPr>
               <a:t>Entwicklungsumgebung</a:t>
             </a:r>
           </a:p>
@@ -51623,7 +51891,7 @@
 </p:sld>
 </file>
 
-<file path=ppt/slides/slide3.xml><?xml version="1.0" encoding="utf-8"?>
+<file path=ppt/slides/slide4.xml><?xml version="1.0" encoding="utf-8"?>
 <p:sld xmlns:a="http://schemas.openxmlformats.org/drawingml/2006/main" xmlns:r="http://schemas.openxmlformats.org/officeDocument/2006/relationships" xmlns:p="http://schemas.openxmlformats.org/presentationml/2006/main">
   <p:cSld>
     <p:spTree>
@@ -51664,7 +51932,7 @@
             <a:fld id="{C0BC624C-2554-4659-A1D8-66347873820C}" type="slidenum">
               <a:rPr lang="de-DE" smtClean="0"/>
               <a:pPr/>
-              <a:t>3</a:t>
+              <a:t>4</a:t>
             </a:fld>
             <a:endParaRPr lang="de-DE" dirty="0"/>
           </a:p>
@@ -51722,7 +51990,7 @@
         <p:spPr>
           <a:xfrm>
             <a:off x="450055" y="1738859"/>
-            <a:ext cx="8079347" cy="4454425"/>
+            <a:ext cx="8079347" cy="3346429"/>
           </a:xfrm>
           <a:prstGeom prst="rect">
             <a:avLst/>
@@ -51730,7 +51998,7 @@
           <a:noFill/>
         </p:spPr>
         <p:txBody>
-          <a:bodyPr wrap="square" rtlCol="0">
+          <a:bodyPr wrap="square" rtlCol="0" anchor="t">
             <a:spAutoFit/>
           </a:bodyPr>
           <a:lstStyle/>
@@ -51746,6 +52014,7 @@
               <a:rPr lang="de-DE" sz="2400" dirty="0"/>
               <a:t>Entwicklung auf lokalem Rechner</a:t>
             </a:r>
+            <a:endParaRPr lang="en-US"/>
           </a:p>
           <a:p>
             <a:pPr marL="514350" indent="-514350">
@@ -51760,7 +52029,7 @@
               <a:t>SSH in die </a:t>
             </a:r>
             <a:r>
-              <a:rPr lang="de-DE" sz="2400" dirty="0" err="1"/>
+              <a:rPr lang="de-DE" sz="2400" err="1"/>
               <a:t>Vagrant</a:t>
             </a:r>
             <a:r>
@@ -51781,7 +52050,7 @@
               <a:t>Bauen und Starten von Microservices im lokalen </a:t>
             </a:r>
             <a:r>
-              <a:rPr lang="de-DE" sz="2400" dirty="0" err="1"/>
+              <a:rPr lang="de-DE" sz="2400" err="1"/>
               <a:t>Kubernetes</a:t>
             </a:r>
             <a:r>
@@ -51799,21 +52068,13 @@
             </a:pPr>
             <a:r>
               <a:rPr lang="de-DE" sz="2400" dirty="0"/>
-              <a:t>Wiederholen von Schritten 1-3 bis zum Commit auf remote Repository</a:t>
+              <a:t>Wiederholen von Schritten 1-3 bis zum Commit auf remote </a:t>
             </a:r>
-          </a:p>
-          <a:p>
-            <a:pPr marL="514350" indent="-514350">
-              <a:lnSpc>
-                <a:spcPct val="150000"/>
-              </a:lnSpc>
-              <a:buFont typeface="+mj-lt"/>
-              <a:buAutoNum type="arabicPeriod"/>
-            </a:pPr>
             <a:r>
-              <a:rPr lang="de-DE" sz="2400" dirty="0"/>
-              <a:t>Bauen und Starten von Microservices Produktions-Cluster sobald Commit Master-Branch erreicht</a:t>
+              <a:rPr lang="de-DE" sz="2400"/>
+              <a:t>Repository</a:t>
             </a:r>
+            <a:endParaRPr lang="de-DE" sz="2400" dirty="0"/>
           </a:p>
         </p:txBody>
       </p:sp>
@@ -51821,96 +52082,6 @@
     <p:extLst>
       <p:ext uri="{BB962C8B-B14F-4D97-AF65-F5344CB8AC3E}">
         <p14:creationId xmlns:p14="http://schemas.microsoft.com/office/powerpoint/2010/main" val="2352477556"/>
-      </p:ext>
-    </p:extLst>
-  </p:cSld>
-  <p:clrMapOvr>
-    <a:masterClrMapping/>
-  </p:clrMapOvr>
-</p:sld>
-</file>
-
-<file path=ppt/slides/slide4.xml><?xml version="1.0" encoding="utf-8"?>
-<p:sld xmlns:a="http://schemas.openxmlformats.org/drawingml/2006/main" xmlns:r="http://schemas.openxmlformats.org/officeDocument/2006/relationships" xmlns:p="http://schemas.openxmlformats.org/presentationml/2006/main">
-  <p:cSld>
-    <p:spTree>
-      <p:nvGrpSpPr>
-        <p:cNvPr id="1" name=""/>
-        <p:cNvGrpSpPr/>
-        <p:nvPr/>
-      </p:nvGrpSpPr>
-      <p:grpSpPr>
-        <a:xfrm>
-          <a:off x="0" y="0"/>
-          <a:ext cx="0" cy="0"/>
-          <a:chOff x="0" y="0"/>
-          <a:chExt cx="0" cy="0"/>
-        </a:xfrm>
-      </p:grpSpPr>
-      <p:sp>
-        <p:nvSpPr>
-          <p:cNvPr id="6" name="Foliennummernplatzhalter 5">
-            <a:extLst>
-              <a:ext uri="{FF2B5EF4-FFF2-40B4-BE49-F238E27FC236}">
-                <a16:creationId xmlns:a16="http://schemas.microsoft.com/office/drawing/2014/main" id="{293F7703-3707-4164-B4F6-5B5880CC8869}"/>
-              </a:ext>
-            </a:extLst>
-          </p:cNvPr>
-          <p:cNvSpPr>
-            <a:spLocks noGrp="1"/>
-          </p:cNvSpPr>
-          <p:nvPr>
-            <p:ph type="sldNum" sz="quarter" idx="11"/>
-          </p:nvPr>
-        </p:nvSpPr>
-        <p:spPr/>
-        <p:txBody>
-          <a:bodyPr/>
-          <a:lstStyle/>
-          <a:p>
-            <a:fld id="{C0BC624C-2554-4659-A1D8-66347873820C}" type="slidenum">
-              <a:rPr lang="de-DE" smtClean="0"/>
-              <a:pPr/>
-              <a:t>4</a:t>
-            </a:fld>
-            <a:endParaRPr lang="de-DE" dirty="0"/>
-          </a:p>
-        </p:txBody>
-      </p:sp>
-      <p:pic>
-        <p:nvPicPr>
-          <p:cNvPr id="27" name="Grafik 26">
-            <a:extLst>
-              <a:ext uri="{FF2B5EF4-FFF2-40B4-BE49-F238E27FC236}">
-                <a16:creationId xmlns:a16="http://schemas.microsoft.com/office/drawing/2014/main" id="{6AD4233F-760E-4C99-BC3A-1D0EAA848E23}"/>
-              </a:ext>
-            </a:extLst>
-          </p:cNvPr>
-          <p:cNvPicPr>
-            <a:picLocks noChangeAspect="1"/>
-          </p:cNvPicPr>
-          <p:nvPr/>
-        </p:nvPicPr>
-        <p:blipFill>
-          <a:blip r:embed="rId2"/>
-          <a:stretch>
-            <a:fillRect/>
-          </a:stretch>
-        </p:blipFill>
-        <p:spPr>
-          <a:xfrm>
-            <a:off x="569625" y="1261152"/>
-            <a:ext cx="7270231" cy="4959765"/>
-          </a:xfrm>
-          <a:prstGeom prst="rect">
-            <a:avLst/>
-          </a:prstGeom>
-        </p:spPr>
-      </p:pic>
-    </p:spTree>
-    <p:extLst>
-      <p:ext uri="{BB962C8B-B14F-4D97-AF65-F5344CB8AC3E}">
-        <p14:creationId xmlns:p14="http://schemas.microsoft.com/office/powerpoint/2010/main" val="370269196"/>
       </p:ext>
     </p:extLst>
   </p:cSld>
@@ -51969,10 +52140,10 @@
       </p:sp>
       <p:pic>
         <p:nvPicPr>
-          <p:cNvPr id="3" name="Grafik 2">
+          <p:cNvPr id="27" name="Grafik 26">
             <a:extLst>
               <a:ext uri="{FF2B5EF4-FFF2-40B4-BE49-F238E27FC236}">
-                <a16:creationId xmlns:a16="http://schemas.microsoft.com/office/drawing/2014/main" id="{2E8B1FE8-F7E1-4DEA-BCA3-296D9808F007}"/>
+                <a16:creationId xmlns:a16="http://schemas.microsoft.com/office/drawing/2014/main" id="{6AD4233F-760E-4C99-BC3A-1D0EAA848E23}"/>
               </a:ext>
             </a:extLst>
           </p:cNvPr>
@@ -51989,8 +52160,8 @@
         </p:blipFill>
         <p:spPr>
           <a:xfrm>
-            <a:off x="1287562" y="1010243"/>
-            <a:ext cx="5937697" cy="5237945"/>
+            <a:off x="569625" y="1261152"/>
+            <a:ext cx="7270231" cy="4959765"/>
           </a:xfrm>
           <a:prstGeom prst="rect">
             <a:avLst/>
@@ -52000,7 +52171,7 @@
     </p:spTree>
     <p:extLst>
       <p:ext uri="{BB962C8B-B14F-4D97-AF65-F5344CB8AC3E}">
-        <p14:creationId xmlns:p14="http://schemas.microsoft.com/office/powerpoint/2010/main" val="1055036306"/>
+        <p14:creationId xmlns:p14="http://schemas.microsoft.com/office/powerpoint/2010/main" val="370269196"/>
       </p:ext>
     </p:extLst>
   </p:cSld>
@@ -52057,6 +52228,96 @@
           </a:p>
         </p:txBody>
       </p:sp>
+      <p:pic>
+        <p:nvPicPr>
+          <p:cNvPr id="3" name="Grafik 2">
+            <a:extLst>
+              <a:ext uri="{FF2B5EF4-FFF2-40B4-BE49-F238E27FC236}">
+                <a16:creationId xmlns:a16="http://schemas.microsoft.com/office/drawing/2014/main" id="{2E8B1FE8-F7E1-4DEA-BCA3-296D9808F007}"/>
+              </a:ext>
+            </a:extLst>
+          </p:cNvPr>
+          <p:cNvPicPr>
+            <a:picLocks noChangeAspect="1"/>
+          </p:cNvPicPr>
+          <p:nvPr/>
+        </p:nvPicPr>
+        <p:blipFill>
+          <a:blip r:embed="rId2"/>
+          <a:stretch>
+            <a:fillRect/>
+          </a:stretch>
+        </p:blipFill>
+        <p:spPr>
+          <a:xfrm>
+            <a:off x="1287562" y="1010243"/>
+            <a:ext cx="5937697" cy="5237945"/>
+          </a:xfrm>
+          <a:prstGeom prst="rect">
+            <a:avLst/>
+          </a:prstGeom>
+        </p:spPr>
+      </p:pic>
+    </p:spTree>
+    <p:extLst>
+      <p:ext uri="{BB962C8B-B14F-4D97-AF65-F5344CB8AC3E}">
+        <p14:creationId xmlns:p14="http://schemas.microsoft.com/office/powerpoint/2010/main" val="1055036306"/>
+      </p:ext>
+    </p:extLst>
+  </p:cSld>
+  <p:clrMapOvr>
+    <a:masterClrMapping/>
+  </p:clrMapOvr>
+</p:sld>
+</file>
+
+<file path=ppt/slides/slide7.xml><?xml version="1.0" encoding="utf-8"?>
+<p:sld xmlns:a="http://schemas.openxmlformats.org/drawingml/2006/main" xmlns:r="http://schemas.openxmlformats.org/officeDocument/2006/relationships" xmlns:p="http://schemas.openxmlformats.org/presentationml/2006/main">
+  <p:cSld>
+    <p:spTree>
+      <p:nvGrpSpPr>
+        <p:cNvPr id="1" name=""/>
+        <p:cNvGrpSpPr/>
+        <p:nvPr/>
+      </p:nvGrpSpPr>
+      <p:grpSpPr>
+        <a:xfrm>
+          <a:off x="0" y="0"/>
+          <a:ext cx="0" cy="0"/>
+          <a:chOff x="0" y="0"/>
+          <a:chExt cx="0" cy="0"/>
+        </a:xfrm>
+      </p:grpSpPr>
+      <p:sp>
+        <p:nvSpPr>
+          <p:cNvPr id="6" name="Foliennummernplatzhalter 5">
+            <a:extLst>
+              <a:ext uri="{FF2B5EF4-FFF2-40B4-BE49-F238E27FC236}">
+                <a16:creationId xmlns:a16="http://schemas.microsoft.com/office/drawing/2014/main" id="{293F7703-3707-4164-B4F6-5B5880CC8869}"/>
+              </a:ext>
+            </a:extLst>
+          </p:cNvPr>
+          <p:cNvSpPr>
+            <a:spLocks noGrp="1"/>
+          </p:cNvSpPr>
+          <p:nvPr>
+            <p:ph type="sldNum" sz="quarter" idx="11"/>
+          </p:nvPr>
+        </p:nvSpPr>
+        <p:spPr/>
+        <p:txBody>
+          <a:bodyPr/>
+          <a:lstStyle/>
+          <a:p>
+            <a:fld id="{C0BC624C-2554-4659-A1D8-66347873820C}" type="slidenum">
+              <a:rPr lang="de-DE" smtClean="0"/>
+              <a:pPr/>
+              <a:t>7</a:t>
+            </a:fld>
+            <a:endParaRPr lang="de-DE" dirty="0"/>
+          </a:p>
+        </p:txBody>
+      </p:sp>
       <p:sp>
         <p:nvSpPr>
           <p:cNvPr id="4" name="Titel 7">
@@ -52105,6 +52366,33 @@
                 </a:solidFill>
               </a:rPr>
               <a:t>Live-Demo</a:t>
+            </a:r>
+            <a:br>
+              <a:rPr lang="de-DE" sz="6000" dirty="0">
+                <a:solidFill>
+                  <a:srgbClr val="92D050"/>
+                </a:solidFill>
+              </a:rPr>
+            </a:br>
+            <a:r>
+              <a:rPr lang="de-DE" dirty="0">
+                <a:solidFill>
+                  <a:srgbClr val="92D050"/>
+                </a:solidFill>
+                <a:ea typeface="+mj-lt"/>
+                <a:cs typeface="+mj-lt"/>
+              </a:rPr>
+              <a:t>Adresse: </a:t>
+            </a:r>
+            <a:r>
+              <a:rPr lang="de-DE" dirty="0">
+                <a:solidFill>
+                  <a:schemeClr val="tx1"/>
+                </a:solidFill>
+                <a:ea typeface="+mj-lt"/>
+                <a:cs typeface="+mj-lt"/>
+              </a:rPr>
+              <a:t>vs-status.de</a:t>
             </a:r>
           </a:p>
         </p:txBody>

--- a/documents/Presentation.pptx
+++ b/documents/Presentation.pptx
@@ -219,6 +219,38 @@
         </pc:sldMkLst>
         <pc:spChg chg="mod">
           <ac:chgData name="Pascal Wiedenbeck" userId="S::wpascal@mail.uni-paderborn.de::7d3bae6a-01c2-4d5b-87ad-a900704d67ff" providerId="AD" clId="Web-{511AF1C0-0733-A0C1-4BBA-2D4BB9B89D8F}" dt="2019-01-30T15:58:20.029" v="14" actId="20577"/>
+          <ac:spMkLst>
+            <pc:docMk/>
+            <pc:sldMk cId="2931885674" sldId="271"/>
+            <ac:spMk id="4" creationId="{7D13E109-C6D9-4C2E-A022-1D42B26C43BE}"/>
+          </ac:spMkLst>
+        </pc:spChg>
+      </pc:sldChg>
+    </pc:docChg>
+  </pc:docChgLst>
+  <pc:docChgLst>
+    <pc:chgData name="Pascal Wiedenbeck" userId="S::wpascal@mail.uni-paderborn.de::7d3bae6a-01c2-4d5b-87ad-a900704d67ff" providerId="AD" clId="Web-{8FC9811A-7BFC-B98A-2512-FE1CEAD0DAAB}"/>
+    <pc:docChg chg="modSld">
+      <pc:chgData name="Pascal Wiedenbeck" userId="S::wpascal@mail.uni-paderborn.de::7d3bae6a-01c2-4d5b-87ad-a900704d67ff" providerId="AD" clId="Web-{8FC9811A-7BFC-B98A-2512-FE1CEAD0DAAB}" dt="2019-01-30T22:00:39.105" v="39" actId="20577"/>
+      <pc:docMkLst>
+        <pc:docMk/>
+      </pc:docMkLst>
+      <pc:sldChg chg="addSp delSp modSp">
+        <pc:chgData name="Pascal Wiedenbeck" userId="S::wpascal@mail.uni-paderborn.de::7d3bae6a-01c2-4d5b-87ad-a900704d67ff" providerId="AD" clId="Web-{8FC9811A-7BFC-B98A-2512-FE1CEAD0DAAB}" dt="2019-01-30T22:00:39.105" v="39" actId="20577"/>
+        <pc:sldMkLst>
+          <pc:docMk/>
+          <pc:sldMk cId="2931885674" sldId="271"/>
+        </pc:sldMkLst>
+        <pc:spChg chg="add del mod">
+          <ac:chgData name="Pascal Wiedenbeck" userId="S::wpascal@mail.uni-paderborn.de::7d3bae6a-01c2-4d5b-87ad-a900704d67ff" providerId="AD" clId="Web-{8FC9811A-7BFC-B98A-2512-FE1CEAD0DAAB}" dt="2019-01-30T22:00:07.043" v="32"/>
+          <ac:spMkLst>
+            <pc:docMk/>
+            <pc:sldMk cId="2931885674" sldId="271"/>
+            <ac:spMk id="2" creationId="{F3174D59-AF4A-401F-BB85-E3C45F743F2C}"/>
+          </ac:spMkLst>
+        </pc:spChg>
+        <pc:spChg chg="mod">
+          <ac:chgData name="Pascal Wiedenbeck" userId="S::wpascal@mail.uni-paderborn.de::7d3bae6a-01c2-4d5b-87ad-a900704d67ff" providerId="AD" clId="Web-{8FC9811A-7BFC-B98A-2512-FE1CEAD0DAAB}" dt="2019-01-30T22:00:39.105" v="39" actId="20577"/>
           <ac:spMkLst>
             <pc:docMk/>
             <pc:sldMk cId="2931885674" sldId="271"/>
@@ -52385,7 +52417,7 @@
               <a:t>Adresse: </a:t>
             </a:r>
             <a:r>
-              <a:rPr lang="de-DE" dirty="0">
+              <a:rPr lang="de-DE" b="0" dirty="0">
                 <a:solidFill>
                   <a:schemeClr val="tx1"/>
                 </a:solidFill>
@@ -52393,6 +52425,52 @@
                 <a:cs typeface="+mj-lt"/>
               </a:rPr>
               <a:t>vs-status.de</a:t>
+            </a:r>
+            <a:br>
+              <a:rPr lang="de-DE" b="0" dirty="0">
+                <a:ea typeface="+mj-lt"/>
+                <a:cs typeface="+mj-lt"/>
+              </a:rPr>
+            </a:br>
+            <a:r>
+              <a:rPr lang="de-DE" dirty="0" err="1">
+                <a:solidFill>
+                  <a:srgbClr val="92D050"/>
+                </a:solidFill>
+                <a:ea typeface="+mj-lt"/>
+                <a:cs typeface="+mj-lt"/>
+              </a:rPr>
+              <a:t>Git</a:t>
+            </a:r>
+            <a:r>
+              <a:rPr lang="de-DE" dirty="0">
+                <a:solidFill>
+                  <a:srgbClr val="92D050"/>
+                </a:solidFill>
+                <a:ea typeface="+mj-lt"/>
+                <a:cs typeface="+mj-lt"/>
+              </a:rPr>
+              <a:t>: </a:t>
+            </a:r>
+            <a:r>
+              <a:rPr lang="de-DE" b="0" dirty="0">
+                <a:solidFill>
+                  <a:schemeClr val="tx1"/>
+                </a:solidFill>
+                <a:ea typeface="+mj-lt"/>
+                <a:cs typeface="+mj-lt"/>
+              </a:rPr>
+              <a:t>git.cs.upb.de/</a:t>
+            </a:r>
+            <a:r>
+              <a:rPr lang="de-DE" b="0" dirty="0" err="1">
+                <a:solidFill>
+                  <a:schemeClr val="tx1"/>
+                </a:solidFill>
+                <a:ea typeface="+mj-lt"/>
+                <a:cs typeface="+mj-lt"/>
+              </a:rPr>
+              <a:t>fejp</a:t>
             </a:r>
           </a:p>
         </p:txBody>
